--- a/2-D Diffusion Presentation Mihal.pptx
+++ b/2-D Diffusion Presentation Mihal.pptx
@@ -297,7 +297,7 @@
               <a:pPr>
                 <a:defRPr/>
               </a:pPr>
-              <a:t>12/6/2018</a:t>
+              <a:t>12/7/2018</a:t>
             </a:fld>
             <a:endParaRPr lang="en-US" dirty="0"/>
           </a:p>
@@ -498,7 +498,7 @@
               <a:pPr>
                 <a:defRPr/>
               </a:pPr>
-              <a:t>12/6/2018</a:t>
+              <a:t>12/7/2018</a:t>
             </a:fld>
             <a:endParaRPr lang="en-US" dirty="0"/>
           </a:p>
@@ -3424,7 +3424,17 @@
                 <a:latin typeface="Times New Roman" pitchFamily="18" charset="0"/>
                 <a:cs typeface="Times New Roman" pitchFamily="18" charset="0"/>
               </a:rPr>
-              <a:t>7 December, 2017</a:t>
+              <a:t>7 December, </a:t>
+            </a:r>
+            <a:r>
+              <a:rPr lang="en-US" dirty="0" smtClean="0">
+                <a:solidFill>
+                  <a:srgbClr val="000066"/>
+                </a:solidFill>
+                <a:latin typeface="Times New Roman" pitchFamily="18" charset="0"/>
+                <a:cs typeface="Times New Roman" pitchFamily="18" charset="0"/>
+              </a:rPr>
+              <a:t>2018</a:t>
             </a:r>
             <a:endParaRPr lang="en-US" sz="1600" dirty="0">
               <a:solidFill>
@@ -3478,7 +3488,7 @@
           <p:cNvPr id="3" name="Picture 2">
             <a:extLst>
               <a:ext uri="{FF2B5EF4-FFF2-40B4-BE49-F238E27FC236}">
-                <a16:creationId xmlns:a16="http://schemas.microsoft.com/office/drawing/2014/main" id="{F3C28E4E-0798-4E8E-BA6B-F0E3374B39E7}"/>
+                <a16:creationId xmlns:a16="http://schemas.microsoft.com/office/drawing/2014/main" xmlns="" id="{F3C28E4E-0798-4E8E-BA6B-F0E3374B39E7}"/>
               </a:ext>
             </a:extLst>
           </p:cNvPr>
@@ -3515,6 +3525,13 @@
     <a:masterClrMapping/>
   </p:clrMapOvr>
   <p:transition/>
+  <p:timing>
+    <p:tnLst>
+      <p:par>
+        <p:cTn id="1" dur="indefinite" restart="never" nodeType="tmRoot"/>
+      </p:par>
+    </p:tnLst>
+  </p:timing>
 </p:sld>
 </file>
 
@@ -3811,7 +3828,7 @@
           <p:cNvPr id="2" name="Title 1">
             <a:extLst>
               <a:ext uri="{FF2B5EF4-FFF2-40B4-BE49-F238E27FC236}">
-                <a16:creationId xmlns:a16="http://schemas.microsoft.com/office/drawing/2014/main" id="{4C295B11-6350-4B09-9080-FB61702FEE5F}"/>
+                <a16:creationId xmlns:a16="http://schemas.microsoft.com/office/drawing/2014/main" xmlns="" id="{4C295B11-6350-4B09-9080-FB61702FEE5F}"/>
               </a:ext>
             </a:extLst>
           </p:cNvPr>
@@ -3839,7 +3856,7 @@
           <p:cNvPr id="3" name="Content Placeholder 2">
             <a:extLst>
               <a:ext uri="{FF2B5EF4-FFF2-40B4-BE49-F238E27FC236}">
-                <a16:creationId xmlns:a16="http://schemas.microsoft.com/office/drawing/2014/main" id="{0F1B667A-9198-439E-B89D-5629967D3598}"/>
+                <a16:creationId xmlns:a16="http://schemas.microsoft.com/office/drawing/2014/main" xmlns="" id="{0F1B667A-9198-439E-B89D-5629967D3598}"/>
               </a:ext>
             </a:extLst>
           </p:cNvPr>
@@ -3897,7 +3914,7 @@
           <p:cNvPr id="4" name="Slide Number Placeholder 3">
             <a:extLst>
               <a:ext uri="{FF2B5EF4-FFF2-40B4-BE49-F238E27FC236}">
-                <a16:creationId xmlns:a16="http://schemas.microsoft.com/office/drawing/2014/main" id="{528836A0-DAC1-4000-9C18-42590A0A22BA}"/>
+                <a16:creationId xmlns:a16="http://schemas.microsoft.com/office/drawing/2014/main" xmlns="" id="{528836A0-DAC1-4000-9C18-42590A0A22BA}"/>
               </a:ext>
             </a:extLst>
           </p:cNvPr>
@@ -3932,7 +3949,7 @@
           <p:cNvPr id="7" name="Picture 6">
             <a:extLst>
               <a:ext uri="{FF2B5EF4-FFF2-40B4-BE49-F238E27FC236}">
-                <a16:creationId xmlns:a16="http://schemas.microsoft.com/office/drawing/2014/main" id="{C7A720B0-11EF-4B6B-B0A4-7756BAB49CB1}"/>
+                <a16:creationId xmlns:a16="http://schemas.microsoft.com/office/drawing/2014/main" xmlns="" id="{C7A720B0-11EF-4B6B-B0A4-7756BAB49CB1}"/>
               </a:ext>
             </a:extLst>
           </p:cNvPr>
@@ -3962,7 +3979,7 @@
           <p:cNvPr id="8" name="Picture 7">
             <a:extLst>
               <a:ext uri="{FF2B5EF4-FFF2-40B4-BE49-F238E27FC236}">
-                <a16:creationId xmlns:a16="http://schemas.microsoft.com/office/drawing/2014/main" id="{0D73C723-E750-4B51-B818-B88A691B518B}"/>
+                <a16:creationId xmlns:a16="http://schemas.microsoft.com/office/drawing/2014/main" xmlns="" id="{0D73C723-E750-4B51-B818-B88A691B518B}"/>
               </a:ext>
             </a:extLst>
           </p:cNvPr>
@@ -3998,6 +4015,13 @@
     <a:masterClrMapping/>
   </p:clrMapOvr>
   <p:transition/>
+  <p:timing>
+    <p:tnLst>
+      <p:par>
+        <p:cTn id="1" dur="indefinite" restart="never" nodeType="tmRoot"/>
+      </p:par>
+    </p:tnLst>
+  </p:timing>
 </p:sld>
 </file>
 
@@ -4023,7 +4047,7 @@
           <p:cNvPr id="2" name="Title 1">
             <a:extLst>
               <a:ext uri="{FF2B5EF4-FFF2-40B4-BE49-F238E27FC236}">
-                <a16:creationId xmlns:a16="http://schemas.microsoft.com/office/drawing/2014/main" id="{4C295B11-6350-4B09-9080-FB61702FEE5F}"/>
+                <a16:creationId xmlns:a16="http://schemas.microsoft.com/office/drawing/2014/main" xmlns="" id="{4C295B11-6350-4B09-9080-FB61702FEE5F}"/>
               </a:ext>
             </a:extLst>
           </p:cNvPr>
@@ -4051,7 +4075,7 @@
           <p:cNvPr id="3" name="Content Placeholder 2">
             <a:extLst>
               <a:ext uri="{FF2B5EF4-FFF2-40B4-BE49-F238E27FC236}">
-                <a16:creationId xmlns:a16="http://schemas.microsoft.com/office/drawing/2014/main" id="{0F1B667A-9198-439E-B89D-5629967D3598}"/>
+                <a16:creationId xmlns:a16="http://schemas.microsoft.com/office/drawing/2014/main" xmlns="" id="{0F1B667A-9198-439E-B89D-5629967D3598}"/>
               </a:ext>
             </a:extLst>
           </p:cNvPr>
@@ -4088,7 +4112,7 @@
           <p:cNvPr id="4" name="Slide Number Placeholder 3">
             <a:extLst>
               <a:ext uri="{FF2B5EF4-FFF2-40B4-BE49-F238E27FC236}">
-                <a16:creationId xmlns:a16="http://schemas.microsoft.com/office/drawing/2014/main" id="{528836A0-DAC1-4000-9C18-42590A0A22BA}"/>
+                <a16:creationId xmlns:a16="http://schemas.microsoft.com/office/drawing/2014/main" xmlns="" id="{528836A0-DAC1-4000-9C18-42590A0A22BA}"/>
               </a:ext>
             </a:extLst>
           </p:cNvPr>
@@ -4123,7 +4147,7 @@
           <p:cNvPr id="6" name="Picture 5">
             <a:extLst>
               <a:ext uri="{FF2B5EF4-FFF2-40B4-BE49-F238E27FC236}">
-                <a16:creationId xmlns:a16="http://schemas.microsoft.com/office/drawing/2014/main" id="{3042E56E-1915-4B98-90D0-8CA8E6AF108F}"/>
+                <a16:creationId xmlns:a16="http://schemas.microsoft.com/office/drawing/2014/main" xmlns="" id="{3042E56E-1915-4B98-90D0-8CA8E6AF108F}"/>
               </a:ext>
             </a:extLst>
           </p:cNvPr>
@@ -4159,6 +4183,13 @@
     <a:masterClrMapping/>
   </p:clrMapOvr>
   <p:transition/>
+  <p:timing>
+    <p:tnLst>
+      <p:par>
+        <p:cTn id="1" dur="indefinite" restart="never" nodeType="tmRoot"/>
+      </p:par>
+    </p:tnLst>
+  </p:timing>
 </p:sld>
 </file>
 
@@ -4260,14 +4291,14 @@
                 <a:gridCol w="3505200">
                   <a:extLst>
                     <a:ext uri="{9D8B030D-6E8A-4147-A177-3AD203B41FA5}">
-                      <a16:colId xmlns:a16="http://schemas.microsoft.com/office/drawing/2014/main" val="20000"/>
+                      <a16:colId xmlns:a16="http://schemas.microsoft.com/office/drawing/2014/main" xmlns="" val="20000"/>
                     </a:ext>
                   </a:extLst>
                 </a:gridCol>
                 <a:gridCol w="3200399">
                   <a:extLst>
                     <a:ext uri="{9D8B030D-6E8A-4147-A177-3AD203B41FA5}">
-                      <a16:colId xmlns:a16="http://schemas.microsoft.com/office/drawing/2014/main" val="20001"/>
+                      <a16:colId xmlns:a16="http://schemas.microsoft.com/office/drawing/2014/main" xmlns="" val="20001"/>
                     </a:ext>
                   </a:extLst>
                 </a:gridCol>
@@ -4425,7 +4456,7 @@
                 </a:tc>
                 <a:extLst>
                   <a:ext uri="{0D108BD9-81ED-4DB2-BD59-A6C34878D82A}">
-                    <a16:rowId xmlns:a16="http://schemas.microsoft.com/office/drawing/2014/main" val="10000"/>
+                    <a16:rowId xmlns:a16="http://schemas.microsoft.com/office/drawing/2014/main" xmlns="" val="10000"/>
                   </a:ext>
                 </a:extLst>
               </a:tr>
@@ -4576,7 +4607,7 @@
                 </a:tc>
                 <a:extLst>
                   <a:ext uri="{0D108BD9-81ED-4DB2-BD59-A6C34878D82A}">
-                    <a16:rowId xmlns:a16="http://schemas.microsoft.com/office/drawing/2014/main" val="10001"/>
+                    <a16:rowId xmlns:a16="http://schemas.microsoft.com/office/drawing/2014/main" xmlns="" val="10001"/>
                   </a:ext>
                 </a:extLst>
               </a:tr>
@@ -4733,7 +4764,7 @@
                 </a:tc>
                 <a:extLst>
                   <a:ext uri="{0D108BD9-81ED-4DB2-BD59-A6C34878D82A}">
-                    <a16:rowId xmlns:a16="http://schemas.microsoft.com/office/drawing/2014/main" val="10002"/>
+                    <a16:rowId xmlns:a16="http://schemas.microsoft.com/office/drawing/2014/main" xmlns="" val="10002"/>
                   </a:ext>
                 </a:extLst>
               </a:tr>
@@ -4890,7 +4921,7 @@
                 </a:tc>
                 <a:extLst>
                   <a:ext uri="{0D108BD9-81ED-4DB2-BD59-A6C34878D82A}">
-                    <a16:rowId xmlns:a16="http://schemas.microsoft.com/office/drawing/2014/main" val="10003"/>
+                    <a16:rowId xmlns:a16="http://schemas.microsoft.com/office/drawing/2014/main" xmlns="" val="10003"/>
                   </a:ext>
                 </a:extLst>
               </a:tr>
@@ -5047,7 +5078,7 @@
                 </a:tc>
                 <a:extLst>
                   <a:ext uri="{0D108BD9-81ED-4DB2-BD59-A6C34878D82A}">
-                    <a16:rowId xmlns:a16="http://schemas.microsoft.com/office/drawing/2014/main" val="10004"/>
+                    <a16:rowId xmlns:a16="http://schemas.microsoft.com/office/drawing/2014/main" xmlns="" val="10004"/>
                   </a:ext>
                 </a:extLst>
               </a:tr>
@@ -5204,7 +5235,7 @@
                 </a:tc>
                 <a:extLst>
                   <a:ext uri="{0D108BD9-81ED-4DB2-BD59-A6C34878D82A}">
-                    <a16:rowId xmlns:a16="http://schemas.microsoft.com/office/drawing/2014/main" val="10005"/>
+                    <a16:rowId xmlns:a16="http://schemas.microsoft.com/office/drawing/2014/main" xmlns="" val="10005"/>
                   </a:ext>
                 </a:extLst>
               </a:tr>
@@ -5361,7 +5392,7 @@
                 </a:tc>
                 <a:extLst>
                   <a:ext uri="{0D108BD9-81ED-4DB2-BD59-A6C34878D82A}">
-                    <a16:rowId xmlns:a16="http://schemas.microsoft.com/office/drawing/2014/main" val="10006"/>
+                    <a16:rowId xmlns:a16="http://schemas.microsoft.com/office/drawing/2014/main" xmlns="" val="10006"/>
                   </a:ext>
                 </a:extLst>
               </a:tr>
@@ -5518,7 +5549,7 @@
                 </a:tc>
                 <a:extLst>
                   <a:ext uri="{0D108BD9-81ED-4DB2-BD59-A6C34878D82A}">
-                    <a16:rowId xmlns:a16="http://schemas.microsoft.com/office/drawing/2014/main" val="10007"/>
+                    <a16:rowId xmlns:a16="http://schemas.microsoft.com/office/drawing/2014/main" xmlns="" val="10007"/>
                   </a:ext>
                 </a:extLst>
               </a:tr>
@@ -5537,6 +5568,13 @@
     <a:masterClrMapping/>
   </p:clrMapOvr>
   <p:transition/>
+  <p:timing>
+    <p:tnLst>
+      <p:par>
+        <p:cTn id="1" dur="indefinite" restart="never" nodeType="tmRoot"/>
+      </p:par>
+    </p:tnLst>
+  </p:timing>
 </p:sld>
 </file>
 
@@ -5562,7 +5600,7 @@
           <p:cNvPr id="2" name="Title 1">
             <a:extLst>
               <a:ext uri="{FF2B5EF4-FFF2-40B4-BE49-F238E27FC236}">
-                <a16:creationId xmlns:a16="http://schemas.microsoft.com/office/drawing/2014/main" id="{4C295B11-6350-4B09-9080-FB61702FEE5F}"/>
+                <a16:creationId xmlns:a16="http://schemas.microsoft.com/office/drawing/2014/main" xmlns="" id="{4C295B11-6350-4B09-9080-FB61702FEE5F}"/>
               </a:ext>
             </a:extLst>
           </p:cNvPr>
@@ -5590,7 +5628,7 @@
           <p:cNvPr id="3" name="Content Placeholder 2">
             <a:extLst>
               <a:ext uri="{FF2B5EF4-FFF2-40B4-BE49-F238E27FC236}">
-                <a16:creationId xmlns:a16="http://schemas.microsoft.com/office/drawing/2014/main" id="{0F1B667A-9198-439E-B89D-5629967D3598}"/>
+                <a16:creationId xmlns:a16="http://schemas.microsoft.com/office/drawing/2014/main" xmlns="" id="{0F1B667A-9198-439E-B89D-5629967D3598}"/>
               </a:ext>
             </a:extLst>
           </p:cNvPr>
@@ -5627,7 +5665,7 @@
           <p:cNvPr id="4" name="Slide Number Placeholder 3">
             <a:extLst>
               <a:ext uri="{FF2B5EF4-FFF2-40B4-BE49-F238E27FC236}">
-                <a16:creationId xmlns:a16="http://schemas.microsoft.com/office/drawing/2014/main" id="{528836A0-DAC1-4000-9C18-42590A0A22BA}"/>
+                <a16:creationId xmlns:a16="http://schemas.microsoft.com/office/drawing/2014/main" xmlns="" id="{528836A0-DAC1-4000-9C18-42590A0A22BA}"/>
               </a:ext>
             </a:extLst>
           </p:cNvPr>
@@ -5662,7 +5700,7 @@
           <p:cNvPr id="5" name="Picture 4">
             <a:extLst>
               <a:ext uri="{FF2B5EF4-FFF2-40B4-BE49-F238E27FC236}">
-                <a16:creationId xmlns:a16="http://schemas.microsoft.com/office/drawing/2014/main" id="{26F63EE4-3696-4709-B433-7F1FCC6A4F3C}"/>
+                <a16:creationId xmlns:a16="http://schemas.microsoft.com/office/drawing/2014/main" xmlns="" id="{26F63EE4-3696-4709-B433-7F1FCC6A4F3C}"/>
               </a:ext>
             </a:extLst>
           </p:cNvPr>
@@ -5692,7 +5730,7 @@
           <p:cNvPr id="8" name="Picture 7">
             <a:extLst>
               <a:ext uri="{FF2B5EF4-FFF2-40B4-BE49-F238E27FC236}">
-                <a16:creationId xmlns:a16="http://schemas.microsoft.com/office/drawing/2014/main" id="{6C75C05E-4471-46F7-B0B0-EE61F694F649}"/>
+                <a16:creationId xmlns:a16="http://schemas.microsoft.com/office/drawing/2014/main" xmlns="" id="{6C75C05E-4471-46F7-B0B0-EE61F694F649}"/>
               </a:ext>
             </a:extLst>
           </p:cNvPr>
@@ -5728,6 +5766,13 @@
     <a:masterClrMapping/>
   </p:clrMapOvr>
   <p:transition/>
+  <p:timing>
+    <p:tnLst>
+      <p:par>
+        <p:cTn id="1" dur="indefinite" restart="never" nodeType="tmRoot"/>
+      </p:par>
+    </p:tnLst>
+  </p:timing>
 </p:sld>
 </file>
 
@@ -5753,7 +5798,7 @@
           <p:cNvPr id="2" name="Title 1">
             <a:extLst>
               <a:ext uri="{FF2B5EF4-FFF2-40B4-BE49-F238E27FC236}">
-                <a16:creationId xmlns:a16="http://schemas.microsoft.com/office/drawing/2014/main" id="{4C295B11-6350-4B09-9080-FB61702FEE5F}"/>
+                <a16:creationId xmlns:a16="http://schemas.microsoft.com/office/drawing/2014/main" xmlns="" id="{4C295B11-6350-4B09-9080-FB61702FEE5F}"/>
               </a:ext>
             </a:extLst>
           </p:cNvPr>
@@ -5781,7 +5826,7 @@
           <p:cNvPr id="3" name="Content Placeholder 2">
             <a:extLst>
               <a:ext uri="{FF2B5EF4-FFF2-40B4-BE49-F238E27FC236}">
-                <a16:creationId xmlns:a16="http://schemas.microsoft.com/office/drawing/2014/main" id="{0F1B667A-9198-439E-B89D-5629967D3598}"/>
+                <a16:creationId xmlns:a16="http://schemas.microsoft.com/office/drawing/2014/main" xmlns="" id="{0F1B667A-9198-439E-B89D-5629967D3598}"/>
               </a:ext>
             </a:extLst>
           </p:cNvPr>
@@ -5818,7 +5863,7 @@
           <p:cNvPr id="4" name="Slide Number Placeholder 3">
             <a:extLst>
               <a:ext uri="{FF2B5EF4-FFF2-40B4-BE49-F238E27FC236}">
-                <a16:creationId xmlns:a16="http://schemas.microsoft.com/office/drawing/2014/main" id="{528836A0-DAC1-4000-9C18-42590A0A22BA}"/>
+                <a16:creationId xmlns:a16="http://schemas.microsoft.com/office/drawing/2014/main" xmlns="" id="{528836A0-DAC1-4000-9C18-42590A0A22BA}"/>
               </a:ext>
             </a:extLst>
           </p:cNvPr>
@@ -5853,7 +5898,7 @@
           <p:cNvPr id="11" name="Picture 10">
             <a:extLst>
               <a:ext uri="{FF2B5EF4-FFF2-40B4-BE49-F238E27FC236}">
-                <a16:creationId xmlns:a16="http://schemas.microsoft.com/office/drawing/2014/main" id="{23FB6F5E-52E1-4C9E-B152-908AEE08A49D}"/>
+                <a16:creationId xmlns:a16="http://schemas.microsoft.com/office/drawing/2014/main" xmlns="" id="{23FB6F5E-52E1-4C9E-B152-908AEE08A49D}"/>
               </a:ext>
             </a:extLst>
           </p:cNvPr>
@@ -5889,6 +5934,13 @@
     <a:masterClrMapping/>
   </p:clrMapOvr>
   <p:transition/>
+  <p:timing>
+    <p:tnLst>
+      <p:par>
+        <p:cTn id="1" dur="indefinite" restart="never" nodeType="tmRoot"/>
+      </p:par>
+    </p:tnLst>
+  </p:timing>
 </p:sld>
 </file>
 
@@ -5914,7 +5966,7 @@
           <p:cNvPr id="2" name="Title 1">
             <a:extLst>
               <a:ext uri="{FF2B5EF4-FFF2-40B4-BE49-F238E27FC236}">
-                <a16:creationId xmlns:a16="http://schemas.microsoft.com/office/drawing/2014/main" id="{4C295B11-6350-4B09-9080-FB61702FEE5F}"/>
+                <a16:creationId xmlns:a16="http://schemas.microsoft.com/office/drawing/2014/main" xmlns="" id="{4C295B11-6350-4B09-9080-FB61702FEE5F}"/>
               </a:ext>
             </a:extLst>
           </p:cNvPr>
@@ -5942,7 +5994,7 @@
           <p:cNvPr id="3" name="Content Placeholder 2">
             <a:extLst>
               <a:ext uri="{FF2B5EF4-FFF2-40B4-BE49-F238E27FC236}">
-                <a16:creationId xmlns:a16="http://schemas.microsoft.com/office/drawing/2014/main" id="{0F1B667A-9198-439E-B89D-5629967D3598}"/>
+                <a16:creationId xmlns:a16="http://schemas.microsoft.com/office/drawing/2014/main" xmlns="" id="{0F1B667A-9198-439E-B89D-5629967D3598}"/>
               </a:ext>
             </a:extLst>
           </p:cNvPr>
@@ -5979,7 +6031,7 @@
           <p:cNvPr id="4" name="Slide Number Placeholder 3">
             <a:extLst>
               <a:ext uri="{FF2B5EF4-FFF2-40B4-BE49-F238E27FC236}">
-                <a16:creationId xmlns:a16="http://schemas.microsoft.com/office/drawing/2014/main" id="{528836A0-DAC1-4000-9C18-42590A0A22BA}"/>
+                <a16:creationId xmlns:a16="http://schemas.microsoft.com/office/drawing/2014/main" xmlns="" id="{528836A0-DAC1-4000-9C18-42590A0A22BA}"/>
               </a:ext>
             </a:extLst>
           </p:cNvPr>
@@ -6014,7 +6066,7 @@
           <p:cNvPr id="5" name="Picture 4">
             <a:extLst>
               <a:ext uri="{FF2B5EF4-FFF2-40B4-BE49-F238E27FC236}">
-                <a16:creationId xmlns:a16="http://schemas.microsoft.com/office/drawing/2014/main" id="{3273FB5D-3EB4-4A92-85E8-58B32973778C}"/>
+                <a16:creationId xmlns:a16="http://schemas.microsoft.com/office/drawing/2014/main" xmlns="" id="{3273FB5D-3EB4-4A92-85E8-58B32973778C}"/>
               </a:ext>
             </a:extLst>
           </p:cNvPr>
@@ -6050,6 +6102,13 @@
     <a:masterClrMapping/>
   </p:clrMapOvr>
   <p:transition/>
+  <p:timing>
+    <p:tnLst>
+      <p:par>
+        <p:cTn id="1" dur="indefinite" restart="never" nodeType="tmRoot"/>
+      </p:par>
+    </p:tnLst>
+  </p:timing>
 </p:sld>
 </file>
 
@@ -6173,7 +6232,7 @@
           <p:cNvPr id="6" name="Picture 5">
             <a:extLst>
               <a:ext uri="{FF2B5EF4-FFF2-40B4-BE49-F238E27FC236}">
-                <a16:creationId xmlns:a16="http://schemas.microsoft.com/office/drawing/2014/main" id="{4B75BEEB-C36A-43D1-8177-30E30DA128FC}"/>
+                <a16:creationId xmlns:a16="http://schemas.microsoft.com/office/drawing/2014/main" xmlns="" id="{4B75BEEB-C36A-43D1-8177-30E30DA128FC}"/>
               </a:ext>
             </a:extLst>
           </p:cNvPr>
@@ -6203,7 +6262,7 @@
           <p:cNvPr id="10" name="Picture 9">
             <a:extLst>
               <a:ext uri="{FF2B5EF4-FFF2-40B4-BE49-F238E27FC236}">
-                <a16:creationId xmlns:a16="http://schemas.microsoft.com/office/drawing/2014/main" id="{E22824AD-7618-4874-986A-E5111445FEF6}"/>
+                <a16:creationId xmlns:a16="http://schemas.microsoft.com/office/drawing/2014/main" xmlns="" id="{E22824AD-7618-4874-986A-E5111445FEF6}"/>
               </a:ext>
             </a:extLst>
           </p:cNvPr>
@@ -6464,7 +6523,7 @@
           <p:cNvPr id="4" name="Picture 3">
             <a:extLst>
               <a:ext uri="{FF2B5EF4-FFF2-40B4-BE49-F238E27FC236}">
-                <a16:creationId xmlns:a16="http://schemas.microsoft.com/office/drawing/2014/main" id="{292ED84D-307B-46C7-9992-2BCF27EEEA6D}"/>
+                <a16:creationId xmlns:a16="http://schemas.microsoft.com/office/drawing/2014/main" xmlns="" id="{292ED84D-307B-46C7-9992-2BCF27EEEA6D}"/>
               </a:ext>
             </a:extLst>
           </p:cNvPr>
@@ -6723,7 +6782,7 @@
           <p:cNvPr id="4" name="Picture 3">
             <a:extLst>
               <a:ext uri="{FF2B5EF4-FFF2-40B4-BE49-F238E27FC236}">
-                <a16:creationId xmlns:a16="http://schemas.microsoft.com/office/drawing/2014/main" id="{252068F4-73BE-4387-83BD-899E2EC24D29}"/>
+                <a16:creationId xmlns:a16="http://schemas.microsoft.com/office/drawing/2014/main" xmlns="" id="{252068F4-73BE-4387-83BD-899E2EC24D29}"/>
               </a:ext>
             </a:extLst>
           </p:cNvPr>
@@ -8113,6 +8172,13 @@
     <a:masterClrMapping/>
   </p:clrMapOvr>
   <p:transition/>
+  <p:timing>
+    <p:tnLst>
+      <p:par>
+        <p:cTn id="1" dur="indefinite" restart="never" nodeType="tmRoot"/>
+      </p:par>
+    </p:tnLst>
+  </p:timing>
 </p:sld>
 </file>
 
@@ -8195,6 +8261,13 @@
     <a:masterClrMapping/>
   </p:clrMapOvr>
   <p:transition/>
+  <p:timing>
+    <p:tnLst>
+      <p:par>
+        <p:cTn id="1" dur="indefinite" restart="never" nodeType="tmRoot"/>
+      </p:par>
+    </p:tnLst>
+  </p:timing>
 </p:sld>
 </file>
 
@@ -8315,6 +8388,13 @@
     <a:masterClrMapping/>
   </p:clrMapOvr>
   <p:transition/>
+  <p:timing>
+    <p:tnLst>
+      <p:par>
+        <p:cTn id="1" dur="indefinite" restart="never" nodeType="tmRoot"/>
+      </p:par>
+    </p:tnLst>
+  </p:timing>
 </p:sld>
 </file>
 
@@ -8340,7 +8420,7 @@
           <p:cNvPr id="2" name="Title 1">
             <a:extLst>
               <a:ext uri="{FF2B5EF4-FFF2-40B4-BE49-F238E27FC236}">
-                <a16:creationId xmlns:a16="http://schemas.microsoft.com/office/drawing/2014/main" id="{CB3DF813-1A03-4F9B-B3F3-961E31A85BD7}"/>
+                <a16:creationId xmlns:a16="http://schemas.microsoft.com/office/drawing/2014/main" xmlns="" id="{CB3DF813-1A03-4F9B-B3F3-961E31A85BD7}"/>
               </a:ext>
             </a:extLst>
           </p:cNvPr>
@@ -8368,7 +8448,7 @@
           <p:cNvPr id="4" name="Slide Number Placeholder 3">
             <a:extLst>
               <a:ext uri="{FF2B5EF4-FFF2-40B4-BE49-F238E27FC236}">
-                <a16:creationId xmlns:a16="http://schemas.microsoft.com/office/drawing/2014/main" id="{7E57DC2D-850C-4C26-8ADC-097EE324883D}"/>
+                <a16:creationId xmlns:a16="http://schemas.microsoft.com/office/drawing/2014/main" xmlns="" id="{7E57DC2D-850C-4C26-8ADC-097EE324883D}"/>
               </a:ext>
             </a:extLst>
           </p:cNvPr>
@@ -8403,7 +8483,7 @@
           <p:cNvPr id="6" name="Picture 5">
             <a:extLst>
               <a:ext uri="{FF2B5EF4-FFF2-40B4-BE49-F238E27FC236}">
-                <a16:creationId xmlns:a16="http://schemas.microsoft.com/office/drawing/2014/main" id="{BE82602A-D2ED-4EA9-B586-7D53AD477549}"/>
+                <a16:creationId xmlns:a16="http://schemas.microsoft.com/office/drawing/2014/main" xmlns="" id="{BE82602A-D2ED-4EA9-B586-7D53AD477549}"/>
               </a:ext>
             </a:extLst>
           </p:cNvPr>
@@ -8433,7 +8513,7 @@
           <p:cNvPr id="7" name="Picture 6">
             <a:extLst>
               <a:ext uri="{FF2B5EF4-FFF2-40B4-BE49-F238E27FC236}">
-                <a16:creationId xmlns:a16="http://schemas.microsoft.com/office/drawing/2014/main" id="{A08BBF88-654B-4EC7-8428-2EA651FD407C}"/>
+                <a16:creationId xmlns:a16="http://schemas.microsoft.com/office/drawing/2014/main" xmlns="" id="{A08BBF88-654B-4EC7-8428-2EA651FD407C}"/>
               </a:ext>
             </a:extLst>
           </p:cNvPr>
@@ -8463,7 +8543,7 @@
           <p:cNvPr id="9" name="TextBox 8">
             <a:extLst>
               <a:ext uri="{FF2B5EF4-FFF2-40B4-BE49-F238E27FC236}">
-                <a16:creationId xmlns:a16="http://schemas.microsoft.com/office/drawing/2014/main" id="{5D96AF3C-CF5E-4FD2-84A4-4B2B11ACAAE4}"/>
+                <a16:creationId xmlns:a16="http://schemas.microsoft.com/office/drawing/2014/main" xmlns="" id="{5D96AF3C-CF5E-4FD2-84A4-4B2B11ACAAE4}"/>
               </a:ext>
             </a:extLst>
           </p:cNvPr>
@@ -8504,6 +8584,13 @@
     <a:masterClrMapping/>
   </p:clrMapOvr>
   <p:transition/>
+  <p:timing>
+    <p:tnLst>
+      <p:par>
+        <p:cTn id="1" dur="indefinite" restart="never" nodeType="tmRoot"/>
+      </p:par>
+    </p:tnLst>
+  </p:timing>
 </p:sld>
 </file>
 
@@ -8529,7 +8616,7 @@
           <p:cNvPr id="2" name="Title 1">
             <a:extLst>
               <a:ext uri="{FF2B5EF4-FFF2-40B4-BE49-F238E27FC236}">
-                <a16:creationId xmlns:a16="http://schemas.microsoft.com/office/drawing/2014/main" id="{CB3DF813-1A03-4F9B-B3F3-961E31A85BD7}"/>
+                <a16:creationId xmlns:a16="http://schemas.microsoft.com/office/drawing/2014/main" xmlns="" id="{CB3DF813-1A03-4F9B-B3F3-961E31A85BD7}"/>
               </a:ext>
             </a:extLst>
           </p:cNvPr>
@@ -8557,7 +8644,7 @@
           <p:cNvPr id="4" name="Slide Number Placeholder 3">
             <a:extLst>
               <a:ext uri="{FF2B5EF4-FFF2-40B4-BE49-F238E27FC236}">
-                <a16:creationId xmlns:a16="http://schemas.microsoft.com/office/drawing/2014/main" id="{7E57DC2D-850C-4C26-8ADC-097EE324883D}"/>
+                <a16:creationId xmlns:a16="http://schemas.microsoft.com/office/drawing/2014/main" xmlns="" id="{7E57DC2D-850C-4C26-8ADC-097EE324883D}"/>
               </a:ext>
             </a:extLst>
           </p:cNvPr>
@@ -8592,7 +8679,7 @@
           <p:cNvPr id="5" name="Picture 4">
             <a:extLst>
               <a:ext uri="{FF2B5EF4-FFF2-40B4-BE49-F238E27FC236}">
-                <a16:creationId xmlns:a16="http://schemas.microsoft.com/office/drawing/2014/main" id="{18662E8F-4947-4D8A-A221-698F0A128BCD}"/>
+                <a16:creationId xmlns:a16="http://schemas.microsoft.com/office/drawing/2014/main" xmlns="" id="{18662E8F-4947-4D8A-A221-698F0A128BCD}"/>
               </a:ext>
             </a:extLst>
           </p:cNvPr>
@@ -8622,7 +8709,7 @@
           <p:cNvPr id="3" name="TextBox 2">
             <a:extLst>
               <a:ext uri="{FF2B5EF4-FFF2-40B4-BE49-F238E27FC236}">
-                <a16:creationId xmlns:a16="http://schemas.microsoft.com/office/drawing/2014/main" id="{61A50ABE-85BF-4EFE-BE01-FD4946AE87CF}"/>
+                <a16:creationId xmlns:a16="http://schemas.microsoft.com/office/drawing/2014/main" xmlns="" id="{61A50ABE-85BF-4EFE-BE01-FD4946AE87CF}"/>
               </a:ext>
             </a:extLst>
           </p:cNvPr>
@@ -8658,7 +8745,7 @@
           <p:cNvPr id="7" name="Picture 6">
             <a:extLst>
               <a:ext uri="{FF2B5EF4-FFF2-40B4-BE49-F238E27FC236}">
-                <a16:creationId xmlns:a16="http://schemas.microsoft.com/office/drawing/2014/main" id="{12F36FD1-F821-4968-AE39-D28B79F1DFE2}"/>
+                <a16:creationId xmlns:a16="http://schemas.microsoft.com/office/drawing/2014/main" xmlns="" id="{12F36FD1-F821-4968-AE39-D28B79F1DFE2}"/>
               </a:ext>
             </a:extLst>
           </p:cNvPr>
@@ -8694,6 +8781,13 @@
     <a:masterClrMapping/>
   </p:clrMapOvr>
   <p:transition/>
+  <p:timing>
+    <p:tnLst>
+      <p:par>
+        <p:cTn id="1" dur="indefinite" restart="never" nodeType="tmRoot"/>
+      </p:par>
+    </p:tnLst>
+  </p:timing>
 </p:sld>
 </file>
 
@@ -8719,7 +8813,7 @@
           <p:cNvPr id="2" name="Title 1">
             <a:extLst>
               <a:ext uri="{FF2B5EF4-FFF2-40B4-BE49-F238E27FC236}">
-                <a16:creationId xmlns:a16="http://schemas.microsoft.com/office/drawing/2014/main" id="{CB3DF813-1A03-4F9B-B3F3-961E31A85BD7}"/>
+                <a16:creationId xmlns:a16="http://schemas.microsoft.com/office/drawing/2014/main" xmlns="" id="{CB3DF813-1A03-4F9B-B3F3-961E31A85BD7}"/>
               </a:ext>
             </a:extLst>
           </p:cNvPr>
@@ -8747,7 +8841,7 @@
           <p:cNvPr id="4" name="Slide Number Placeholder 3">
             <a:extLst>
               <a:ext uri="{FF2B5EF4-FFF2-40B4-BE49-F238E27FC236}">
-                <a16:creationId xmlns:a16="http://schemas.microsoft.com/office/drawing/2014/main" id="{7E57DC2D-850C-4C26-8ADC-097EE324883D}"/>
+                <a16:creationId xmlns:a16="http://schemas.microsoft.com/office/drawing/2014/main" xmlns="" id="{7E57DC2D-850C-4C26-8ADC-097EE324883D}"/>
               </a:ext>
             </a:extLst>
           </p:cNvPr>
@@ -8782,7 +8876,7 @@
           <p:cNvPr id="3" name="TextBox 2">
             <a:extLst>
               <a:ext uri="{FF2B5EF4-FFF2-40B4-BE49-F238E27FC236}">
-                <a16:creationId xmlns:a16="http://schemas.microsoft.com/office/drawing/2014/main" id="{61A50ABE-85BF-4EFE-BE01-FD4946AE87CF}"/>
+                <a16:creationId xmlns:a16="http://schemas.microsoft.com/office/drawing/2014/main" xmlns="" id="{61A50ABE-85BF-4EFE-BE01-FD4946AE87CF}"/>
               </a:ext>
             </a:extLst>
           </p:cNvPr>
@@ -8818,7 +8912,7 @@
           <p:cNvPr id="6" name="Picture 5">
             <a:extLst>
               <a:ext uri="{FF2B5EF4-FFF2-40B4-BE49-F238E27FC236}">
-                <a16:creationId xmlns:a16="http://schemas.microsoft.com/office/drawing/2014/main" id="{D13CE9D1-9917-4E18-827F-C5E6D1534E3D}"/>
+                <a16:creationId xmlns:a16="http://schemas.microsoft.com/office/drawing/2014/main" xmlns="" id="{D13CE9D1-9917-4E18-827F-C5E6D1534E3D}"/>
               </a:ext>
             </a:extLst>
           </p:cNvPr>
@@ -8854,6 +8948,13 @@
     <a:masterClrMapping/>
   </p:clrMapOvr>
   <p:transition/>
+  <p:timing>
+    <p:tnLst>
+      <p:par>
+        <p:cTn id="1" dur="indefinite" restart="never" nodeType="tmRoot"/>
+      </p:par>
+    </p:tnLst>
+  </p:timing>
 </p:sld>
 </file>
 
@@ -8879,7 +8980,7 @@
           <p:cNvPr id="2" name="Title 1">
             <a:extLst>
               <a:ext uri="{FF2B5EF4-FFF2-40B4-BE49-F238E27FC236}">
-                <a16:creationId xmlns:a16="http://schemas.microsoft.com/office/drawing/2014/main" id="{CB3DF813-1A03-4F9B-B3F3-961E31A85BD7}"/>
+                <a16:creationId xmlns:a16="http://schemas.microsoft.com/office/drawing/2014/main" xmlns="" id="{CB3DF813-1A03-4F9B-B3F3-961E31A85BD7}"/>
               </a:ext>
             </a:extLst>
           </p:cNvPr>
@@ -8907,7 +9008,7 @@
           <p:cNvPr id="4" name="Slide Number Placeholder 3">
             <a:extLst>
               <a:ext uri="{FF2B5EF4-FFF2-40B4-BE49-F238E27FC236}">
-                <a16:creationId xmlns:a16="http://schemas.microsoft.com/office/drawing/2014/main" id="{7E57DC2D-850C-4C26-8ADC-097EE324883D}"/>
+                <a16:creationId xmlns:a16="http://schemas.microsoft.com/office/drawing/2014/main" xmlns="" id="{7E57DC2D-850C-4C26-8ADC-097EE324883D}"/>
               </a:ext>
             </a:extLst>
           </p:cNvPr>
@@ -8942,7 +9043,7 @@
           <p:cNvPr id="3" name="TextBox 2">
             <a:extLst>
               <a:ext uri="{FF2B5EF4-FFF2-40B4-BE49-F238E27FC236}">
-                <a16:creationId xmlns:a16="http://schemas.microsoft.com/office/drawing/2014/main" id="{61A50ABE-85BF-4EFE-BE01-FD4946AE87CF}"/>
+                <a16:creationId xmlns:a16="http://schemas.microsoft.com/office/drawing/2014/main" xmlns="" id="{61A50ABE-85BF-4EFE-BE01-FD4946AE87CF}"/>
               </a:ext>
             </a:extLst>
           </p:cNvPr>
@@ -8978,7 +9079,7 @@
           <p:cNvPr id="6" name="Picture 5">
             <a:extLst>
               <a:ext uri="{FF2B5EF4-FFF2-40B4-BE49-F238E27FC236}">
-                <a16:creationId xmlns:a16="http://schemas.microsoft.com/office/drawing/2014/main" id="{B71800E4-3974-435A-B64E-0438FE43ED35}"/>
+                <a16:creationId xmlns:a16="http://schemas.microsoft.com/office/drawing/2014/main" xmlns="" id="{B71800E4-3974-435A-B64E-0438FE43ED35}"/>
               </a:ext>
             </a:extLst>
           </p:cNvPr>
@@ -9008,7 +9109,7 @@
           <p:cNvPr id="8" name="Picture 7">
             <a:extLst>
               <a:ext uri="{FF2B5EF4-FFF2-40B4-BE49-F238E27FC236}">
-                <a16:creationId xmlns:a16="http://schemas.microsoft.com/office/drawing/2014/main" id="{BF0C4E2C-BCF4-493C-83DA-5AD4A71E949D}"/>
+                <a16:creationId xmlns:a16="http://schemas.microsoft.com/office/drawing/2014/main" xmlns="" id="{BF0C4E2C-BCF4-493C-83DA-5AD4A71E949D}"/>
               </a:ext>
             </a:extLst>
           </p:cNvPr>
@@ -9044,6 +9145,13 @@
     <a:masterClrMapping/>
   </p:clrMapOvr>
   <p:transition/>
+  <p:timing>
+    <p:tnLst>
+      <p:par>
+        <p:cTn id="1" dur="indefinite" restart="never" nodeType="tmRoot"/>
+      </p:par>
+    </p:tnLst>
+  </p:timing>
 </p:sld>
 </file>
 
@@ -9069,7 +9177,7 @@
           <p:cNvPr id="2" name="Title 1">
             <a:extLst>
               <a:ext uri="{FF2B5EF4-FFF2-40B4-BE49-F238E27FC236}">
-                <a16:creationId xmlns:a16="http://schemas.microsoft.com/office/drawing/2014/main" id="{5327309E-3B60-4B9B-BB84-774DC22D345E}"/>
+                <a16:creationId xmlns:a16="http://schemas.microsoft.com/office/drawing/2014/main" xmlns="" id="{5327309E-3B60-4B9B-BB84-774DC22D345E}"/>
               </a:ext>
             </a:extLst>
           </p:cNvPr>
@@ -9097,7 +9205,7 @@
           <p:cNvPr id="3" name="Content Placeholder 2">
             <a:extLst>
               <a:ext uri="{FF2B5EF4-FFF2-40B4-BE49-F238E27FC236}">
-                <a16:creationId xmlns:a16="http://schemas.microsoft.com/office/drawing/2014/main" id="{E9E0B368-A1F6-4D1E-883A-DA0A2F992850}"/>
+                <a16:creationId xmlns:a16="http://schemas.microsoft.com/office/drawing/2014/main" xmlns="" id="{E9E0B368-A1F6-4D1E-883A-DA0A2F992850}"/>
               </a:ext>
             </a:extLst>
           </p:cNvPr>
@@ -9165,7 +9273,7 @@
           <p:cNvPr id="4" name="Slide Number Placeholder 3">
             <a:extLst>
               <a:ext uri="{FF2B5EF4-FFF2-40B4-BE49-F238E27FC236}">
-                <a16:creationId xmlns:a16="http://schemas.microsoft.com/office/drawing/2014/main" id="{94BC5CE1-638F-4A81-B7C0-380EF26419D3}"/>
+                <a16:creationId xmlns:a16="http://schemas.microsoft.com/office/drawing/2014/main" xmlns="" id="{94BC5CE1-638F-4A81-B7C0-380EF26419D3}"/>
               </a:ext>
             </a:extLst>
           </p:cNvPr>
@@ -9200,7 +9308,7 @@
           <p:cNvPr id="6" name="Picture 5">
             <a:extLst>
               <a:ext uri="{FF2B5EF4-FFF2-40B4-BE49-F238E27FC236}">
-                <a16:creationId xmlns:a16="http://schemas.microsoft.com/office/drawing/2014/main" id="{54A87E00-8C9D-44E2-A1DB-A6FBC4F0455A}"/>
+                <a16:creationId xmlns:a16="http://schemas.microsoft.com/office/drawing/2014/main" xmlns="" id="{54A87E00-8C9D-44E2-A1DB-A6FBC4F0455A}"/>
               </a:ext>
             </a:extLst>
           </p:cNvPr>
@@ -9242,6 +9350,13 @@
     <a:masterClrMapping/>
   </p:clrMapOvr>
   <p:transition/>
+  <p:timing>
+    <p:tnLst>
+      <p:par>
+        <p:cTn id="1" dur="indefinite" restart="never" nodeType="tmRoot"/>
+      </p:par>
+    </p:tnLst>
+  </p:timing>
 </p:sld>
 </file>
 

--- a/2-D Diffusion Presentation Mihal.pptx
+++ b/2-D Diffusion Presentation Mihal.pptx
@@ -3424,17 +3424,7 @@
                 <a:latin typeface="Times New Roman" pitchFamily="18" charset="0"/>
                 <a:cs typeface="Times New Roman" pitchFamily="18" charset="0"/>
               </a:rPr>
-              <a:t>7 December, </a:t>
-            </a:r>
-            <a:r>
-              <a:rPr lang="en-US" dirty="0" smtClean="0">
-                <a:solidFill>
-                  <a:srgbClr val="000066"/>
-                </a:solidFill>
-                <a:latin typeface="Times New Roman" pitchFamily="18" charset="0"/>
-                <a:cs typeface="Times New Roman" pitchFamily="18" charset="0"/>
-              </a:rPr>
-              <a:t>2018</a:t>
+              <a:t>7 December, 2018</a:t>
             </a:r>
             <a:endParaRPr lang="en-US" sz="1600" dirty="0">
               <a:solidFill>
@@ -3488,7 +3478,7 @@
           <p:cNvPr id="3" name="Picture 2">
             <a:extLst>
               <a:ext uri="{FF2B5EF4-FFF2-40B4-BE49-F238E27FC236}">
-                <a16:creationId xmlns:a16="http://schemas.microsoft.com/office/drawing/2014/main" xmlns="" id="{F3C28E4E-0798-4E8E-BA6B-F0E3374B39E7}"/>
+                <a16:creationId xmlns:a16="http://schemas.microsoft.com/office/drawing/2014/main" id="{F3C28E4E-0798-4E8E-BA6B-F0E3374B39E7}"/>
               </a:ext>
             </a:extLst>
           </p:cNvPr>
@@ -3525,13 +3515,6 @@
     <a:masterClrMapping/>
   </p:clrMapOvr>
   <p:transition/>
-  <p:timing>
-    <p:tnLst>
-      <p:par>
-        <p:cTn id="1" dur="indefinite" restart="never" nodeType="tmRoot"/>
-      </p:par>
-    </p:tnLst>
-  </p:timing>
 </p:sld>
 </file>
 
@@ -3828,7 +3811,7 @@
           <p:cNvPr id="2" name="Title 1">
             <a:extLst>
               <a:ext uri="{FF2B5EF4-FFF2-40B4-BE49-F238E27FC236}">
-                <a16:creationId xmlns:a16="http://schemas.microsoft.com/office/drawing/2014/main" xmlns="" id="{4C295B11-6350-4B09-9080-FB61702FEE5F}"/>
+                <a16:creationId xmlns:a16="http://schemas.microsoft.com/office/drawing/2014/main" id="{4C295B11-6350-4B09-9080-FB61702FEE5F}"/>
               </a:ext>
             </a:extLst>
           </p:cNvPr>
@@ -3856,7 +3839,7 @@
           <p:cNvPr id="3" name="Content Placeholder 2">
             <a:extLst>
               <a:ext uri="{FF2B5EF4-FFF2-40B4-BE49-F238E27FC236}">
-                <a16:creationId xmlns:a16="http://schemas.microsoft.com/office/drawing/2014/main" xmlns="" id="{0F1B667A-9198-439E-B89D-5629967D3598}"/>
+                <a16:creationId xmlns:a16="http://schemas.microsoft.com/office/drawing/2014/main" id="{0F1B667A-9198-439E-B89D-5629967D3598}"/>
               </a:ext>
             </a:extLst>
           </p:cNvPr>
@@ -3914,7 +3897,7 @@
           <p:cNvPr id="4" name="Slide Number Placeholder 3">
             <a:extLst>
               <a:ext uri="{FF2B5EF4-FFF2-40B4-BE49-F238E27FC236}">
-                <a16:creationId xmlns:a16="http://schemas.microsoft.com/office/drawing/2014/main" xmlns="" id="{528836A0-DAC1-4000-9C18-42590A0A22BA}"/>
+                <a16:creationId xmlns:a16="http://schemas.microsoft.com/office/drawing/2014/main" id="{528836A0-DAC1-4000-9C18-42590A0A22BA}"/>
               </a:ext>
             </a:extLst>
           </p:cNvPr>
@@ -3949,7 +3932,7 @@
           <p:cNvPr id="7" name="Picture 6">
             <a:extLst>
               <a:ext uri="{FF2B5EF4-FFF2-40B4-BE49-F238E27FC236}">
-                <a16:creationId xmlns:a16="http://schemas.microsoft.com/office/drawing/2014/main" xmlns="" id="{C7A720B0-11EF-4B6B-B0A4-7756BAB49CB1}"/>
+                <a16:creationId xmlns:a16="http://schemas.microsoft.com/office/drawing/2014/main" id="{C7A720B0-11EF-4B6B-B0A4-7756BAB49CB1}"/>
               </a:ext>
             </a:extLst>
           </p:cNvPr>
@@ -3979,7 +3962,7 @@
           <p:cNvPr id="8" name="Picture 7">
             <a:extLst>
               <a:ext uri="{FF2B5EF4-FFF2-40B4-BE49-F238E27FC236}">
-                <a16:creationId xmlns:a16="http://schemas.microsoft.com/office/drawing/2014/main" xmlns="" id="{0D73C723-E750-4B51-B818-B88A691B518B}"/>
+                <a16:creationId xmlns:a16="http://schemas.microsoft.com/office/drawing/2014/main" id="{0D73C723-E750-4B51-B818-B88A691B518B}"/>
               </a:ext>
             </a:extLst>
           </p:cNvPr>
@@ -4015,13 +3998,6 @@
     <a:masterClrMapping/>
   </p:clrMapOvr>
   <p:transition/>
-  <p:timing>
-    <p:tnLst>
-      <p:par>
-        <p:cTn id="1" dur="indefinite" restart="never" nodeType="tmRoot"/>
-      </p:par>
-    </p:tnLst>
-  </p:timing>
 </p:sld>
 </file>
 
@@ -4047,7 +4023,7 @@
           <p:cNvPr id="2" name="Title 1">
             <a:extLst>
               <a:ext uri="{FF2B5EF4-FFF2-40B4-BE49-F238E27FC236}">
-                <a16:creationId xmlns:a16="http://schemas.microsoft.com/office/drawing/2014/main" xmlns="" id="{4C295B11-6350-4B09-9080-FB61702FEE5F}"/>
+                <a16:creationId xmlns:a16="http://schemas.microsoft.com/office/drawing/2014/main" id="{4C295B11-6350-4B09-9080-FB61702FEE5F}"/>
               </a:ext>
             </a:extLst>
           </p:cNvPr>
@@ -4075,7 +4051,7 @@
           <p:cNvPr id="3" name="Content Placeholder 2">
             <a:extLst>
               <a:ext uri="{FF2B5EF4-FFF2-40B4-BE49-F238E27FC236}">
-                <a16:creationId xmlns:a16="http://schemas.microsoft.com/office/drawing/2014/main" xmlns="" id="{0F1B667A-9198-439E-B89D-5629967D3598}"/>
+                <a16:creationId xmlns:a16="http://schemas.microsoft.com/office/drawing/2014/main" id="{0F1B667A-9198-439E-B89D-5629967D3598}"/>
               </a:ext>
             </a:extLst>
           </p:cNvPr>
@@ -4112,7 +4088,7 @@
           <p:cNvPr id="4" name="Slide Number Placeholder 3">
             <a:extLst>
               <a:ext uri="{FF2B5EF4-FFF2-40B4-BE49-F238E27FC236}">
-                <a16:creationId xmlns:a16="http://schemas.microsoft.com/office/drawing/2014/main" xmlns="" id="{528836A0-DAC1-4000-9C18-42590A0A22BA}"/>
+                <a16:creationId xmlns:a16="http://schemas.microsoft.com/office/drawing/2014/main" id="{528836A0-DAC1-4000-9C18-42590A0A22BA}"/>
               </a:ext>
             </a:extLst>
           </p:cNvPr>
@@ -4147,7 +4123,7 @@
           <p:cNvPr id="6" name="Picture 5">
             <a:extLst>
               <a:ext uri="{FF2B5EF4-FFF2-40B4-BE49-F238E27FC236}">
-                <a16:creationId xmlns:a16="http://schemas.microsoft.com/office/drawing/2014/main" xmlns="" id="{3042E56E-1915-4B98-90D0-8CA8E6AF108F}"/>
+                <a16:creationId xmlns:a16="http://schemas.microsoft.com/office/drawing/2014/main" id="{3042E56E-1915-4B98-90D0-8CA8E6AF108F}"/>
               </a:ext>
             </a:extLst>
           </p:cNvPr>
@@ -4183,13 +4159,6 @@
     <a:masterClrMapping/>
   </p:clrMapOvr>
   <p:transition/>
-  <p:timing>
-    <p:tnLst>
-      <p:par>
-        <p:cTn id="1" dur="indefinite" restart="never" nodeType="tmRoot"/>
-      </p:par>
-    </p:tnLst>
-  </p:timing>
 </p:sld>
 </file>
 
@@ -4291,14 +4260,14 @@
                 <a:gridCol w="3505200">
                   <a:extLst>
                     <a:ext uri="{9D8B030D-6E8A-4147-A177-3AD203B41FA5}">
-                      <a16:colId xmlns:a16="http://schemas.microsoft.com/office/drawing/2014/main" xmlns="" val="20000"/>
+                      <a16:colId xmlns:a16="http://schemas.microsoft.com/office/drawing/2014/main" val="20000"/>
                     </a:ext>
                   </a:extLst>
                 </a:gridCol>
                 <a:gridCol w="3200399">
                   <a:extLst>
                     <a:ext uri="{9D8B030D-6E8A-4147-A177-3AD203B41FA5}">
-                      <a16:colId xmlns:a16="http://schemas.microsoft.com/office/drawing/2014/main" xmlns="" val="20001"/>
+                      <a16:colId xmlns:a16="http://schemas.microsoft.com/office/drawing/2014/main" val="20001"/>
                     </a:ext>
                   </a:extLst>
                 </a:gridCol>
@@ -4456,7 +4425,7 @@
                 </a:tc>
                 <a:extLst>
                   <a:ext uri="{0D108BD9-81ED-4DB2-BD59-A6C34878D82A}">
-                    <a16:rowId xmlns:a16="http://schemas.microsoft.com/office/drawing/2014/main" xmlns="" val="10000"/>
+                    <a16:rowId xmlns:a16="http://schemas.microsoft.com/office/drawing/2014/main" val="10000"/>
                   </a:ext>
                 </a:extLst>
               </a:tr>
@@ -4607,7 +4576,7 @@
                 </a:tc>
                 <a:extLst>
                   <a:ext uri="{0D108BD9-81ED-4DB2-BD59-A6C34878D82A}">
-                    <a16:rowId xmlns:a16="http://schemas.microsoft.com/office/drawing/2014/main" xmlns="" val="10001"/>
+                    <a16:rowId xmlns:a16="http://schemas.microsoft.com/office/drawing/2014/main" val="10001"/>
                   </a:ext>
                 </a:extLst>
               </a:tr>
@@ -4764,7 +4733,7 @@
                 </a:tc>
                 <a:extLst>
                   <a:ext uri="{0D108BD9-81ED-4DB2-BD59-A6C34878D82A}">
-                    <a16:rowId xmlns:a16="http://schemas.microsoft.com/office/drawing/2014/main" xmlns="" val="10002"/>
+                    <a16:rowId xmlns:a16="http://schemas.microsoft.com/office/drawing/2014/main" val="10002"/>
                   </a:ext>
                 </a:extLst>
               </a:tr>
@@ -4921,7 +4890,7 @@
                 </a:tc>
                 <a:extLst>
                   <a:ext uri="{0D108BD9-81ED-4DB2-BD59-A6C34878D82A}">
-                    <a16:rowId xmlns:a16="http://schemas.microsoft.com/office/drawing/2014/main" xmlns="" val="10003"/>
+                    <a16:rowId xmlns:a16="http://schemas.microsoft.com/office/drawing/2014/main" val="10003"/>
                   </a:ext>
                 </a:extLst>
               </a:tr>
@@ -5078,7 +5047,7 @@
                 </a:tc>
                 <a:extLst>
                   <a:ext uri="{0D108BD9-81ED-4DB2-BD59-A6C34878D82A}">
-                    <a16:rowId xmlns:a16="http://schemas.microsoft.com/office/drawing/2014/main" xmlns="" val="10004"/>
+                    <a16:rowId xmlns:a16="http://schemas.microsoft.com/office/drawing/2014/main" val="10004"/>
                   </a:ext>
                 </a:extLst>
               </a:tr>
@@ -5235,7 +5204,7 @@
                 </a:tc>
                 <a:extLst>
                   <a:ext uri="{0D108BD9-81ED-4DB2-BD59-A6C34878D82A}">
-                    <a16:rowId xmlns:a16="http://schemas.microsoft.com/office/drawing/2014/main" xmlns="" val="10005"/>
+                    <a16:rowId xmlns:a16="http://schemas.microsoft.com/office/drawing/2014/main" val="10005"/>
                   </a:ext>
                 </a:extLst>
               </a:tr>
@@ -5392,7 +5361,7 @@
                 </a:tc>
                 <a:extLst>
                   <a:ext uri="{0D108BD9-81ED-4DB2-BD59-A6C34878D82A}">
-                    <a16:rowId xmlns:a16="http://schemas.microsoft.com/office/drawing/2014/main" xmlns="" val="10006"/>
+                    <a16:rowId xmlns:a16="http://schemas.microsoft.com/office/drawing/2014/main" val="10006"/>
                   </a:ext>
                 </a:extLst>
               </a:tr>
@@ -5549,7 +5518,7 @@
                 </a:tc>
                 <a:extLst>
                   <a:ext uri="{0D108BD9-81ED-4DB2-BD59-A6C34878D82A}">
-                    <a16:rowId xmlns:a16="http://schemas.microsoft.com/office/drawing/2014/main" xmlns="" val="10007"/>
+                    <a16:rowId xmlns:a16="http://schemas.microsoft.com/office/drawing/2014/main" val="10007"/>
                   </a:ext>
                 </a:extLst>
               </a:tr>
@@ -5568,13 +5537,6 @@
     <a:masterClrMapping/>
   </p:clrMapOvr>
   <p:transition/>
-  <p:timing>
-    <p:tnLst>
-      <p:par>
-        <p:cTn id="1" dur="indefinite" restart="never" nodeType="tmRoot"/>
-      </p:par>
-    </p:tnLst>
-  </p:timing>
 </p:sld>
 </file>
 
@@ -5600,7 +5562,7 @@
           <p:cNvPr id="2" name="Title 1">
             <a:extLst>
               <a:ext uri="{FF2B5EF4-FFF2-40B4-BE49-F238E27FC236}">
-                <a16:creationId xmlns:a16="http://schemas.microsoft.com/office/drawing/2014/main" xmlns="" id="{4C295B11-6350-4B09-9080-FB61702FEE5F}"/>
+                <a16:creationId xmlns:a16="http://schemas.microsoft.com/office/drawing/2014/main" id="{4C295B11-6350-4B09-9080-FB61702FEE5F}"/>
               </a:ext>
             </a:extLst>
           </p:cNvPr>
@@ -5628,7 +5590,7 @@
           <p:cNvPr id="3" name="Content Placeholder 2">
             <a:extLst>
               <a:ext uri="{FF2B5EF4-FFF2-40B4-BE49-F238E27FC236}">
-                <a16:creationId xmlns:a16="http://schemas.microsoft.com/office/drawing/2014/main" xmlns="" id="{0F1B667A-9198-439E-B89D-5629967D3598}"/>
+                <a16:creationId xmlns:a16="http://schemas.microsoft.com/office/drawing/2014/main" id="{0F1B667A-9198-439E-B89D-5629967D3598}"/>
               </a:ext>
             </a:extLst>
           </p:cNvPr>
@@ -5665,7 +5627,7 @@
           <p:cNvPr id="4" name="Slide Number Placeholder 3">
             <a:extLst>
               <a:ext uri="{FF2B5EF4-FFF2-40B4-BE49-F238E27FC236}">
-                <a16:creationId xmlns:a16="http://schemas.microsoft.com/office/drawing/2014/main" xmlns="" id="{528836A0-DAC1-4000-9C18-42590A0A22BA}"/>
+                <a16:creationId xmlns:a16="http://schemas.microsoft.com/office/drawing/2014/main" id="{528836A0-DAC1-4000-9C18-42590A0A22BA}"/>
               </a:ext>
             </a:extLst>
           </p:cNvPr>
@@ -5700,7 +5662,7 @@
           <p:cNvPr id="5" name="Picture 4">
             <a:extLst>
               <a:ext uri="{FF2B5EF4-FFF2-40B4-BE49-F238E27FC236}">
-                <a16:creationId xmlns:a16="http://schemas.microsoft.com/office/drawing/2014/main" xmlns="" id="{26F63EE4-3696-4709-B433-7F1FCC6A4F3C}"/>
+                <a16:creationId xmlns:a16="http://schemas.microsoft.com/office/drawing/2014/main" id="{26F63EE4-3696-4709-B433-7F1FCC6A4F3C}"/>
               </a:ext>
             </a:extLst>
           </p:cNvPr>
@@ -5730,7 +5692,7 @@
           <p:cNvPr id="8" name="Picture 7">
             <a:extLst>
               <a:ext uri="{FF2B5EF4-FFF2-40B4-BE49-F238E27FC236}">
-                <a16:creationId xmlns:a16="http://schemas.microsoft.com/office/drawing/2014/main" xmlns="" id="{6C75C05E-4471-46F7-B0B0-EE61F694F649}"/>
+                <a16:creationId xmlns:a16="http://schemas.microsoft.com/office/drawing/2014/main" id="{6C75C05E-4471-46F7-B0B0-EE61F694F649}"/>
               </a:ext>
             </a:extLst>
           </p:cNvPr>
@@ -5766,13 +5728,6 @@
     <a:masterClrMapping/>
   </p:clrMapOvr>
   <p:transition/>
-  <p:timing>
-    <p:tnLst>
-      <p:par>
-        <p:cTn id="1" dur="indefinite" restart="never" nodeType="tmRoot"/>
-      </p:par>
-    </p:tnLst>
-  </p:timing>
 </p:sld>
 </file>
 
@@ -5798,7 +5753,7 @@
           <p:cNvPr id="2" name="Title 1">
             <a:extLst>
               <a:ext uri="{FF2B5EF4-FFF2-40B4-BE49-F238E27FC236}">
-                <a16:creationId xmlns:a16="http://schemas.microsoft.com/office/drawing/2014/main" xmlns="" id="{4C295B11-6350-4B09-9080-FB61702FEE5F}"/>
+                <a16:creationId xmlns:a16="http://schemas.microsoft.com/office/drawing/2014/main" id="{4C295B11-6350-4B09-9080-FB61702FEE5F}"/>
               </a:ext>
             </a:extLst>
           </p:cNvPr>
@@ -5826,7 +5781,7 @@
           <p:cNvPr id="3" name="Content Placeholder 2">
             <a:extLst>
               <a:ext uri="{FF2B5EF4-FFF2-40B4-BE49-F238E27FC236}">
-                <a16:creationId xmlns:a16="http://schemas.microsoft.com/office/drawing/2014/main" xmlns="" id="{0F1B667A-9198-439E-B89D-5629967D3598}"/>
+                <a16:creationId xmlns:a16="http://schemas.microsoft.com/office/drawing/2014/main" id="{0F1B667A-9198-439E-B89D-5629967D3598}"/>
               </a:ext>
             </a:extLst>
           </p:cNvPr>
@@ -5863,7 +5818,7 @@
           <p:cNvPr id="4" name="Slide Number Placeholder 3">
             <a:extLst>
               <a:ext uri="{FF2B5EF4-FFF2-40B4-BE49-F238E27FC236}">
-                <a16:creationId xmlns:a16="http://schemas.microsoft.com/office/drawing/2014/main" xmlns="" id="{528836A0-DAC1-4000-9C18-42590A0A22BA}"/>
+                <a16:creationId xmlns:a16="http://schemas.microsoft.com/office/drawing/2014/main" id="{528836A0-DAC1-4000-9C18-42590A0A22BA}"/>
               </a:ext>
             </a:extLst>
           </p:cNvPr>
@@ -5898,7 +5853,7 @@
           <p:cNvPr id="11" name="Picture 10">
             <a:extLst>
               <a:ext uri="{FF2B5EF4-FFF2-40B4-BE49-F238E27FC236}">
-                <a16:creationId xmlns:a16="http://schemas.microsoft.com/office/drawing/2014/main" xmlns="" id="{23FB6F5E-52E1-4C9E-B152-908AEE08A49D}"/>
+                <a16:creationId xmlns:a16="http://schemas.microsoft.com/office/drawing/2014/main" id="{23FB6F5E-52E1-4C9E-B152-908AEE08A49D}"/>
               </a:ext>
             </a:extLst>
           </p:cNvPr>
@@ -5934,13 +5889,6 @@
     <a:masterClrMapping/>
   </p:clrMapOvr>
   <p:transition/>
-  <p:timing>
-    <p:tnLst>
-      <p:par>
-        <p:cTn id="1" dur="indefinite" restart="never" nodeType="tmRoot"/>
-      </p:par>
-    </p:tnLst>
-  </p:timing>
 </p:sld>
 </file>
 
@@ -5966,7 +5914,7 @@
           <p:cNvPr id="2" name="Title 1">
             <a:extLst>
               <a:ext uri="{FF2B5EF4-FFF2-40B4-BE49-F238E27FC236}">
-                <a16:creationId xmlns:a16="http://schemas.microsoft.com/office/drawing/2014/main" xmlns="" id="{4C295B11-6350-4B09-9080-FB61702FEE5F}"/>
+                <a16:creationId xmlns:a16="http://schemas.microsoft.com/office/drawing/2014/main" id="{4C295B11-6350-4B09-9080-FB61702FEE5F}"/>
               </a:ext>
             </a:extLst>
           </p:cNvPr>
@@ -5994,7 +5942,7 @@
           <p:cNvPr id="3" name="Content Placeholder 2">
             <a:extLst>
               <a:ext uri="{FF2B5EF4-FFF2-40B4-BE49-F238E27FC236}">
-                <a16:creationId xmlns:a16="http://schemas.microsoft.com/office/drawing/2014/main" xmlns="" id="{0F1B667A-9198-439E-B89D-5629967D3598}"/>
+                <a16:creationId xmlns:a16="http://schemas.microsoft.com/office/drawing/2014/main" id="{0F1B667A-9198-439E-B89D-5629967D3598}"/>
               </a:ext>
             </a:extLst>
           </p:cNvPr>
@@ -6031,7 +5979,7 @@
           <p:cNvPr id="4" name="Slide Number Placeholder 3">
             <a:extLst>
               <a:ext uri="{FF2B5EF4-FFF2-40B4-BE49-F238E27FC236}">
-                <a16:creationId xmlns:a16="http://schemas.microsoft.com/office/drawing/2014/main" xmlns="" id="{528836A0-DAC1-4000-9C18-42590A0A22BA}"/>
+                <a16:creationId xmlns:a16="http://schemas.microsoft.com/office/drawing/2014/main" id="{528836A0-DAC1-4000-9C18-42590A0A22BA}"/>
               </a:ext>
             </a:extLst>
           </p:cNvPr>
@@ -6066,7 +6014,7 @@
           <p:cNvPr id="5" name="Picture 4">
             <a:extLst>
               <a:ext uri="{FF2B5EF4-FFF2-40B4-BE49-F238E27FC236}">
-                <a16:creationId xmlns:a16="http://schemas.microsoft.com/office/drawing/2014/main" xmlns="" id="{3273FB5D-3EB4-4A92-85E8-58B32973778C}"/>
+                <a16:creationId xmlns:a16="http://schemas.microsoft.com/office/drawing/2014/main" id="{3273FB5D-3EB4-4A92-85E8-58B32973778C}"/>
               </a:ext>
             </a:extLst>
           </p:cNvPr>
@@ -6102,13 +6050,6 @@
     <a:masterClrMapping/>
   </p:clrMapOvr>
   <p:transition/>
-  <p:timing>
-    <p:tnLst>
-      <p:par>
-        <p:cTn id="1" dur="indefinite" restart="never" nodeType="tmRoot"/>
-      </p:par>
-    </p:tnLst>
-  </p:timing>
 </p:sld>
 </file>
 
@@ -6232,7 +6173,7 @@
           <p:cNvPr id="6" name="Picture 5">
             <a:extLst>
               <a:ext uri="{FF2B5EF4-FFF2-40B4-BE49-F238E27FC236}">
-                <a16:creationId xmlns:a16="http://schemas.microsoft.com/office/drawing/2014/main" xmlns="" id="{4B75BEEB-C36A-43D1-8177-30E30DA128FC}"/>
+                <a16:creationId xmlns:a16="http://schemas.microsoft.com/office/drawing/2014/main" id="{4B75BEEB-C36A-43D1-8177-30E30DA128FC}"/>
               </a:ext>
             </a:extLst>
           </p:cNvPr>
@@ -6262,7 +6203,7 @@
           <p:cNvPr id="10" name="Picture 9">
             <a:extLst>
               <a:ext uri="{FF2B5EF4-FFF2-40B4-BE49-F238E27FC236}">
-                <a16:creationId xmlns:a16="http://schemas.microsoft.com/office/drawing/2014/main" xmlns="" id="{E22824AD-7618-4874-986A-E5111445FEF6}"/>
+                <a16:creationId xmlns:a16="http://schemas.microsoft.com/office/drawing/2014/main" id="{E22824AD-7618-4874-986A-E5111445FEF6}"/>
               </a:ext>
             </a:extLst>
           </p:cNvPr>
@@ -6523,7 +6464,7 @@
           <p:cNvPr id="4" name="Picture 3">
             <a:extLst>
               <a:ext uri="{FF2B5EF4-FFF2-40B4-BE49-F238E27FC236}">
-                <a16:creationId xmlns:a16="http://schemas.microsoft.com/office/drawing/2014/main" xmlns="" id="{292ED84D-307B-46C7-9992-2BCF27EEEA6D}"/>
+                <a16:creationId xmlns:a16="http://schemas.microsoft.com/office/drawing/2014/main" id="{292ED84D-307B-46C7-9992-2BCF27EEEA6D}"/>
               </a:ext>
             </a:extLst>
           </p:cNvPr>
@@ -6782,7 +6723,7 @@
           <p:cNvPr id="4" name="Picture 3">
             <a:extLst>
               <a:ext uri="{FF2B5EF4-FFF2-40B4-BE49-F238E27FC236}">
-                <a16:creationId xmlns:a16="http://schemas.microsoft.com/office/drawing/2014/main" xmlns="" id="{252068F4-73BE-4387-83BD-899E2EC24D29}"/>
+                <a16:creationId xmlns:a16="http://schemas.microsoft.com/office/drawing/2014/main" id="{252068F4-73BE-4387-83BD-899E2EC24D29}"/>
               </a:ext>
             </a:extLst>
           </p:cNvPr>
@@ -8172,13 +8113,6 @@
     <a:masterClrMapping/>
   </p:clrMapOvr>
   <p:transition/>
-  <p:timing>
-    <p:tnLst>
-      <p:par>
-        <p:cTn id="1" dur="indefinite" restart="never" nodeType="tmRoot"/>
-      </p:par>
-    </p:tnLst>
-  </p:timing>
 </p:sld>
 </file>
 
@@ -8261,13 +8195,6 @@
     <a:masterClrMapping/>
   </p:clrMapOvr>
   <p:transition/>
-  <p:timing>
-    <p:tnLst>
-      <p:par>
-        <p:cTn id="1" dur="indefinite" restart="never" nodeType="tmRoot"/>
-      </p:par>
-    </p:tnLst>
-  </p:timing>
 </p:sld>
 </file>
 
@@ -8388,13 +8315,6 @@
     <a:masterClrMapping/>
   </p:clrMapOvr>
   <p:transition/>
-  <p:timing>
-    <p:tnLst>
-      <p:par>
-        <p:cTn id="1" dur="indefinite" restart="never" nodeType="tmRoot"/>
-      </p:par>
-    </p:tnLst>
-  </p:timing>
 </p:sld>
 </file>
 
@@ -8420,7 +8340,7 @@
           <p:cNvPr id="2" name="Title 1">
             <a:extLst>
               <a:ext uri="{FF2B5EF4-FFF2-40B4-BE49-F238E27FC236}">
-                <a16:creationId xmlns:a16="http://schemas.microsoft.com/office/drawing/2014/main" xmlns="" id="{CB3DF813-1A03-4F9B-B3F3-961E31A85BD7}"/>
+                <a16:creationId xmlns:a16="http://schemas.microsoft.com/office/drawing/2014/main" id="{CB3DF813-1A03-4F9B-B3F3-961E31A85BD7}"/>
               </a:ext>
             </a:extLst>
           </p:cNvPr>
@@ -8448,7 +8368,7 @@
           <p:cNvPr id="4" name="Slide Number Placeholder 3">
             <a:extLst>
               <a:ext uri="{FF2B5EF4-FFF2-40B4-BE49-F238E27FC236}">
-                <a16:creationId xmlns:a16="http://schemas.microsoft.com/office/drawing/2014/main" xmlns="" id="{7E57DC2D-850C-4C26-8ADC-097EE324883D}"/>
+                <a16:creationId xmlns:a16="http://schemas.microsoft.com/office/drawing/2014/main" id="{7E57DC2D-850C-4C26-8ADC-097EE324883D}"/>
               </a:ext>
             </a:extLst>
           </p:cNvPr>
@@ -8483,7 +8403,7 @@
           <p:cNvPr id="6" name="Picture 5">
             <a:extLst>
               <a:ext uri="{FF2B5EF4-FFF2-40B4-BE49-F238E27FC236}">
-                <a16:creationId xmlns:a16="http://schemas.microsoft.com/office/drawing/2014/main" xmlns="" id="{BE82602A-D2ED-4EA9-B586-7D53AD477549}"/>
+                <a16:creationId xmlns:a16="http://schemas.microsoft.com/office/drawing/2014/main" id="{BE82602A-D2ED-4EA9-B586-7D53AD477549}"/>
               </a:ext>
             </a:extLst>
           </p:cNvPr>
@@ -8513,7 +8433,7 @@
           <p:cNvPr id="7" name="Picture 6">
             <a:extLst>
               <a:ext uri="{FF2B5EF4-FFF2-40B4-BE49-F238E27FC236}">
-                <a16:creationId xmlns:a16="http://schemas.microsoft.com/office/drawing/2014/main" xmlns="" id="{A08BBF88-654B-4EC7-8428-2EA651FD407C}"/>
+                <a16:creationId xmlns:a16="http://schemas.microsoft.com/office/drawing/2014/main" id="{A08BBF88-654B-4EC7-8428-2EA651FD407C}"/>
               </a:ext>
             </a:extLst>
           </p:cNvPr>
@@ -8543,7 +8463,7 @@
           <p:cNvPr id="9" name="TextBox 8">
             <a:extLst>
               <a:ext uri="{FF2B5EF4-FFF2-40B4-BE49-F238E27FC236}">
-                <a16:creationId xmlns:a16="http://schemas.microsoft.com/office/drawing/2014/main" xmlns="" id="{5D96AF3C-CF5E-4FD2-84A4-4B2B11ACAAE4}"/>
+                <a16:creationId xmlns:a16="http://schemas.microsoft.com/office/drawing/2014/main" id="{5D96AF3C-CF5E-4FD2-84A4-4B2B11ACAAE4}"/>
               </a:ext>
             </a:extLst>
           </p:cNvPr>
@@ -8584,13 +8504,6 @@
     <a:masterClrMapping/>
   </p:clrMapOvr>
   <p:transition/>
-  <p:timing>
-    <p:tnLst>
-      <p:par>
-        <p:cTn id="1" dur="indefinite" restart="never" nodeType="tmRoot"/>
-      </p:par>
-    </p:tnLst>
-  </p:timing>
 </p:sld>
 </file>
 
@@ -8616,7 +8529,7 @@
           <p:cNvPr id="2" name="Title 1">
             <a:extLst>
               <a:ext uri="{FF2B5EF4-FFF2-40B4-BE49-F238E27FC236}">
-                <a16:creationId xmlns:a16="http://schemas.microsoft.com/office/drawing/2014/main" xmlns="" id="{CB3DF813-1A03-4F9B-B3F3-961E31A85BD7}"/>
+                <a16:creationId xmlns:a16="http://schemas.microsoft.com/office/drawing/2014/main" id="{CB3DF813-1A03-4F9B-B3F3-961E31A85BD7}"/>
               </a:ext>
             </a:extLst>
           </p:cNvPr>
@@ -8644,7 +8557,7 @@
           <p:cNvPr id="4" name="Slide Number Placeholder 3">
             <a:extLst>
               <a:ext uri="{FF2B5EF4-FFF2-40B4-BE49-F238E27FC236}">
-                <a16:creationId xmlns:a16="http://schemas.microsoft.com/office/drawing/2014/main" xmlns="" id="{7E57DC2D-850C-4C26-8ADC-097EE324883D}"/>
+                <a16:creationId xmlns:a16="http://schemas.microsoft.com/office/drawing/2014/main" id="{7E57DC2D-850C-4C26-8ADC-097EE324883D}"/>
               </a:ext>
             </a:extLst>
           </p:cNvPr>
@@ -8679,7 +8592,7 @@
           <p:cNvPr id="5" name="Picture 4">
             <a:extLst>
               <a:ext uri="{FF2B5EF4-FFF2-40B4-BE49-F238E27FC236}">
-                <a16:creationId xmlns:a16="http://schemas.microsoft.com/office/drawing/2014/main" xmlns="" id="{18662E8F-4947-4D8A-A221-698F0A128BCD}"/>
+                <a16:creationId xmlns:a16="http://schemas.microsoft.com/office/drawing/2014/main" id="{18662E8F-4947-4D8A-A221-698F0A128BCD}"/>
               </a:ext>
             </a:extLst>
           </p:cNvPr>
@@ -8709,7 +8622,7 @@
           <p:cNvPr id="3" name="TextBox 2">
             <a:extLst>
               <a:ext uri="{FF2B5EF4-FFF2-40B4-BE49-F238E27FC236}">
-                <a16:creationId xmlns:a16="http://schemas.microsoft.com/office/drawing/2014/main" xmlns="" id="{61A50ABE-85BF-4EFE-BE01-FD4946AE87CF}"/>
+                <a16:creationId xmlns:a16="http://schemas.microsoft.com/office/drawing/2014/main" id="{61A50ABE-85BF-4EFE-BE01-FD4946AE87CF}"/>
               </a:ext>
             </a:extLst>
           </p:cNvPr>
@@ -8745,7 +8658,7 @@
           <p:cNvPr id="7" name="Picture 6">
             <a:extLst>
               <a:ext uri="{FF2B5EF4-FFF2-40B4-BE49-F238E27FC236}">
-                <a16:creationId xmlns:a16="http://schemas.microsoft.com/office/drawing/2014/main" xmlns="" id="{12F36FD1-F821-4968-AE39-D28B79F1DFE2}"/>
+                <a16:creationId xmlns:a16="http://schemas.microsoft.com/office/drawing/2014/main" id="{12F36FD1-F821-4968-AE39-D28B79F1DFE2}"/>
               </a:ext>
             </a:extLst>
           </p:cNvPr>
@@ -8781,13 +8694,6 @@
     <a:masterClrMapping/>
   </p:clrMapOvr>
   <p:transition/>
-  <p:timing>
-    <p:tnLst>
-      <p:par>
-        <p:cTn id="1" dur="indefinite" restart="never" nodeType="tmRoot"/>
-      </p:par>
-    </p:tnLst>
-  </p:timing>
 </p:sld>
 </file>
 
@@ -8813,7 +8719,7 @@
           <p:cNvPr id="2" name="Title 1">
             <a:extLst>
               <a:ext uri="{FF2B5EF4-FFF2-40B4-BE49-F238E27FC236}">
-                <a16:creationId xmlns:a16="http://schemas.microsoft.com/office/drawing/2014/main" xmlns="" id="{CB3DF813-1A03-4F9B-B3F3-961E31A85BD7}"/>
+                <a16:creationId xmlns:a16="http://schemas.microsoft.com/office/drawing/2014/main" id="{CB3DF813-1A03-4F9B-B3F3-961E31A85BD7}"/>
               </a:ext>
             </a:extLst>
           </p:cNvPr>
@@ -8841,7 +8747,7 @@
           <p:cNvPr id="4" name="Slide Number Placeholder 3">
             <a:extLst>
               <a:ext uri="{FF2B5EF4-FFF2-40B4-BE49-F238E27FC236}">
-                <a16:creationId xmlns:a16="http://schemas.microsoft.com/office/drawing/2014/main" xmlns="" id="{7E57DC2D-850C-4C26-8ADC-097EE324883D}"/>
+                <a16:creationId xmlns:a16="http://schemas.microsoft.com/office/drawing/2014/main" id="{7E57DC2D-850C-4C26-8ADC-097EE324883D}"/>
               </a:ext>
             </a:extLst>
           </p:cNvPr>
@@ -8876,7 +8782,7 @@
           <p:cNvPr id="3" name="TextBox 2">
             <a:extLst>
               <a:ext uri="{FF2B5EF4-FFF2-40B4-BE49-F238E27FC236}">
-                <a16:creationId xmlns:a16="http://schemas.microsoft.com/office/drawing/2014/main" xmlns="" id="{61A50ABE-85BF-4EFE-BE01-FD4946AE87CF}"/>
+                <a16:creationId xmlns:a16="http://schemas.microsoft.com/office/drawing/2014/main" id="{61A50ABE-85BF-4EFE-BE01-FD4946AE87CF}"/>
               </a:ext>
             </a:extLst>
           </p:cNvPr>
@@ -8912,7 +8818,7 @@
           <p:cNvPr id="6" name="Picture 5">
             <a:extLst>
               <a:ext uri="{FF2B5EF4-FFF2-40B4-BE49-F238E27FC236}">
-                <a16:creationId xmlns:a16="http://schemas.microsoft.com/office/drawing/2014/main" xmlns="" id="{D13CE9D1-9917-4E18-827F-C5E6D1534E3D}"/>
+                <a16:creationId xmlns:a16="http://schemas.microsoft.com/office/drawing/2014/main" id="{D13CE9D1-9917-4E18-827F-C5E6D1534E3D}"/>
               </a:ext>
             </a:extLst>
           </p:cNvPr>
@@ -8948,13 +8854,6 @@
     <a:masterClrMapping/>
   </p:clrMapOvr>
   <p:transition/>
-  <p:timing>
-    <p:tnLst>
-      <p:par>
-        <p:cTn id="1" dur="indefinite" restart="never" nodeType="tmRoot"/>
-      </p:par>
-    </p:tnLst>
-  </p:timing>
 </p:sld>
 </file>
 
@@ -8980,7 +8879,7 @@
           <p:cNvPr id="2" name="Title 1">
             <a:extLst>
               <a:ext uri="{FF2B5EF4-FFF2-40B4-BE49-F238E27FC236}">
-                <a16:creationId xmlns:a16="http://schemas.microsoft.com/office/drawing/2014/main" xmlns="" id="{CB3DF813-1A03-4F9B-B3F3-961E31A85BD7}"/>
+                <a16:creationId xmlns:a16="http://schemas.microsoft.com/office/drawing/2014/main" id="{CB3DF813-1A03-4F9B-B3F3-961E31A85BD7}"/>
               </a:ext>
             </a:extLst>
           </p:cNvPr>
@@ -9008,7 +8907,7 @@
           <p:cNvPr id="4" name="Slide Number Placeholder 3">
             <a:extLst>
               <a:ext uri="{FF2B5EF4-FFF2-40B4-BE49-F238E27FC236}">
-                <a16:creationId xmlns:a16="http://schemas.microsoft.com/office/drawing/2014/main" xmlns="" id="{7E57DC2D-850C-4C26-8ADC-097EE324883D}"/>
+                <a16:creationId xmlns:a16="http://schemas.microsoft.com/office/drawing/2014/main" id="{7E57DC2D-850C-4C26-8ADC-097EE324883D}"/>
               </a:ext>
             </a:extLst>
           </p:cNvPr>
@@ -9043,7 +8942,7 @@
           <p:cNvPr id="3" name="TextBox 2">
             <a:extLst>
               <a:ext uri="{FF2B5EF4-FFF2-40B4-BE49-F238E27FC236}">
-                <a16:creationId xmlns:a16="http://schemas.microsoft.com/office/drawing/2014/main" xmlns="" id="{61A50ABE-85BF-4EFE-BE01-FD4946AE87CF}"/>
+                <a16:creationId xmlns:a16="http://schemas.microsoft.com/office/drawing/2014/main" id="{61A50ABE-85BF-4EFE-BE01-FD4946AE87CF}"/>
               </a:ext>
             </a:extLst>
           </p:cNvPr>
@@ -9079,7 +8978,7 @@
           <p:cNvPr id="6" name="Picture 5">
             <a:extLst>
               <a:ext uri="{FF2B5EF4-FFF2-40B4-BE49-F238E27FC236}">
-                <a16:creationId xmlns:a16="http://schemas.microsoft.com/office/drawing/2014/main" xmlns="" id="{B71800E4-3974-435A-B64E-0438FE43ED35}"/>
+                <a16:creationId xmlns:a16="http://schemas.microsoft.com/office/drawing/2014/main" id="{B71800E4-3974-435A-B64E-0438FE43ED35}"/>
               </a:ext>
             </a:extLst>
           </p:cNvPr>
@@ -9109,7 +9008,7 @@
           <p:cNvPr id="8" name="Picture 7">
             <a:extLst>
               <a:ext uri="{FF2B5EF4-FFF2-40B4-BE49-F238E27FC236}">
-                <a16:creationId xmlns:a16="http://schemas.microsoft.com/office/drawing/2014/main" xmlns="" id="{BF0C4E2C-BCF4-493C-83DA-5AD4A71E949D}"/>
+                <a16:creationId xmlns:a16="http://schemas.microsoft.com/office/drawing/2014/main" id="{BF0C4E2C-BCF4-493C-83DA-5AD4A71E949D}"/>
               </a:ext>
             </a:extLst>
           </p:cNvPr>
@@ -9145,13 +9044,6 @@
     <a:masterClrMapping/>
   </p:clrMapOvr>
   <p:transition/>
-  <p:timing>
-    <p:tnLst>
-      <p:par>
-        <p:cTn id="1" dur="indefinite" restart="never" nodeType="tmRoot"/>
-      </p:par>
-    </p:tnLst>
-  </p:timing>
 </p:sld>
 </file>
 
@@ -9177,7 +9069,7 @@
           <p:cNvPr id="2" name="Title 1">
             <a:extLst>
               <a:ext uri="{FF2B5EF4-FFF2-40B4-BE49-F238E27FC236}">
-                <a16:creationId xmlns:a16="http://schemas.microsoft.com/office/drawing/2014/main" xmlns="" id="{5327309E-3B60-4B9B-BB84-774DC22D345E}"/>
+                <a16:creationId xmlns:a16="http://schemas.microsoft.com/office/drawing/2014/main" id="{5327309E-3B60-4B9B-BB84-774DC22D345E}"/>
               </a:ext>
             </a:extLst>
           </p:cNvPr>
@@ -9205,7 +9097,7 @@
           <p:cNvPr id="3" name="Content Placeholder 2">
             <a:extLst>
               <a:ext uri="{FF2B5EF4-FFF2-40B4-BE49-F238E27FC236}">
-                <a16:creationId xmlns:a16="http://schemas.microsoft.com/office/drawing/2014/main" xmlns="" id="{E9E0B368-A1F6-4D1E-883A-DA0A2F992850}"/>
+                <a16:creationId xmlns:a16="http://schemas.microsoft.com/office/drawing/2014/main" id="{E9E0B368-A1F6-4D1E-883A-DA0A2F992850}"/>
               </a:ext>
             </a:extLst>
           </p:cNvPr>
@@ -9273,7 +9165,7 @@
           <p:cNvPr id="4" name="Slide Number Placeholder 3">
             <a:extLst>
               <a:ext uri="{FF2B5EF4-FFF2-40B4-BE49-F238E27FC236}">
-                <a16:creationId xmlns:a16="http://schemas.microsoft.com/office/drawing/2014/main" xmlns="" id="{94BC5CE1-638F-4A81-B7C0-380EF26419D3}"/>
+                <a16:creationId xmlns:a16="http://schemas.microsoft.com/office/drawing/2014/main" id="{94BC5CE1-638F-4A81-B7C0-380EF26419D3}"/>
               </a:ext>
             </a:extLst>
           </p:cNvPr>
@@ -9308,7 +9200,7 @@
           <p:cNvPr id="6" name="Picture 5">
             <a:extLst>
               <a:ext uri="{FF2B5EF4-FFF2-40B4-BE49-F238E27FC236}">
-                <a16:creationId xmlns:a16="http://schemas.microsoft.com/office/drawing/2014/main" xmlns="" id="{54A87E00-8C9D-44E2-A1DB-A6FBC4F0455A}"/>
+                <a16:creationId xmlns:a16="http://schemas.microsoft.com/office/drawing/2014/main" id="{54A87E00-8C9D-44E2-A1DB-A6FBC4F0455A}"/>
               </a:ext>
             </a:extLst>
           </p:cNvPr>
@@ -9350,13 +9242,6 @@
     <a:masterClrMapping/>
   </p:clrMapOvr>
   <p:transition/>
-  <p:timing>
-    <p:tnLst>
-      <p:par>
-        <p:cTn id="1" dur="indefinite" restart="never" nodeType="tmRoot"/>
-      </p:par>
-    </p:tnLst>
-  </p:timing>
 </p:sld>
 </file>
 
